--- a/ppt/MRM-QC指標_芊.pptx
+++ b/ppt/MRM-QC指標_芊.pptx
@@ -205,7 +205,7 @@
           <a:p>
             <a:fld id="{0C7E2642-9582-424C-BB4A-A3831E55C59C}" type="datetimeFigureOut">
               <a:rPr lang="zh-TW" altLang="en-US" smtClean="0"/>
-              <a:t>2021/11/23</a:t>
+              <a:t>2021/11/24</a:t>
             </a:fld>
             <a:endParaRPr lang="zh-TW" altLang="en-US"/>
           </a:p>
@@ -565,6 +565,90 @@
 </p:notes>
 </file>
 
+<file path=ppt/notesSlides/notesSlide2.xml><?xml version="1.0" encoding="utf-8"?>
+<p:notes xmlns:a="http://schemas.openxmlformats.org/drawingml/2006/main" xmlns:r="http://schemas.openxmlformats.org/officeDocument/2006/relationships" xmlns:p="http://schemas.openxmlformats.org/presentationml/2006/main">
+  <p:cSld>
+    <p:spTree>
+      <p:nvGrpSpPr>
+        <p:cNvPr id="1" name=""/>
+        <p:cNvGrpSpPr/>
+        <p:nvPr/>
+      </p:nvGrpSpPr>
+      <p:grpSpPr>
+        <a:xfrm>
+          <a:off x="0" y="0"/>
+          <a:ext cx="0" cy="0"/>
+          <a:chOff x="0" y="0"/>
+          <a:chExt cx="0" cy="0"/>
+        </a:xfrm>
+      </p:grpSpPr>
+      <p:sp>
+        <p:nvSpPr>
+          <p:cNvPr id="2" name="投影片圖像版面配置區 1"/>
+          <p:cNvSpPr>
+            <a:spLocks noGrp="1" noRot="1" noChangeAspect="1"/>
+          </p:cNvSpPr>
+          <p:nvPr>
+            <p:ph type="sldImg"/>
+          </p:nvPr>
+        </p:nvSpPr>
+        <p:spPr/>
+      </p:sp>
+      <p:sp>
+        <p:nvSpPr>
+          <p:cNvPr id="3" name="備忘稿版面配置區 2"/>
+          <p:cNvSpPr>
+            <a:spLocks noGrp="1"/>
+          </p:cNvSpPr>
+          <p:nvPr>
+            <p:ph type="body" idx="1"/>
+          </p:nvPr>
+        </p:nvSpPr>
+        <p:spPr/>
+        <p:txBody>
+          <a:bodyPr/>
+          <a:lstStyle/>
+          <a:p>
+            <a:endParaRPr lang="zh-TW" altLang="en-US" dirty="0"/>
+          </a:p>
+        </p:txBody>
+      </p:sp>
+      <p:sp>
+        <p:nvSpPr>
+          <p:cNvPr id="4" name="投影片編號版面配置區 3"/>
+          <p:cNvSpPr>
+            <a:spLocks noGrp="1"/>
+          </p:cNvSpPr>
+          <p:nvPr>
+            <p:ph type="sldNum" sz="quarter" idx="10"/>
+          </p:nvPr>
+        </p:nvSpPr>
+        <p:spPr/>
+        <p:txBody>
+          <a:bodyPr/>
+          <a:lstStyle/>
+          <a:p>
+            <a:fld id="{59BE4367-89CF-4B5C-B4B9-D420B919B532}" type="slidenum">
+              <a:rPr lang="zh-TW" altLang="en-US" smtClean="0"/>
+              <a:t>9</a:t>
+            </a:fld>
+            <a:endParaRPr lang="zh-TW" altLang="en-US"/>
+          </a:p>
+        </p:txBody>
+      </p:sp>
+    </p:spTree>
+    <p:extLst>
+      <p:ext uri="{BB962C8B-B14F-4D97-AF65-F5344CB8AC3E}">
+        <p14:creationId xmlns:p14="http://schemas.microsoft.com/office/powerpoint/2010/main" val="4243023678"/>
+      </p:ext>
+    </p:extLst>
+  </p:cSld>
+  <p:clrMapOvr>
+    <a:masterClrMapping/>
+  </p:clrMapOvr>
+</p:notes>
+</file>
+
 <file path=ppt/slideLayouts/slideLayout1.xml><?xml version="1.0" encoding="utf-8"?>
 <p:sldLayout xmlns:a="http://schemas.openxmlformats.org/drawingml/2006/main" xmlns:r="http://schemas.openxmlformats.org/officeDocument/2006/relationships" xmlns:p="http://schemas.openxmlformats.org/presentationml/2006/main" type="title" preserve="1">
   <p:cSld name="標題投影片">
@@ -696,7 +780,7 @@
           <a:p>
             <a:fld id="{8DAE1A39-D2E5-4DB3-9738-ABE7899A2BA8}" type="datetimeFigureOut">
               <a:rPr lang="zh-TW" altLang="en-US" smtClean="0"/>
-              <a:t>2021/11/23</a:t>
+              <a:t>2021/11/24</a:t>
             </a:fld>
             <a:endParaRPr lang="zh-TW" altLang="en-US"/>
           </a:p>
@@ -866,7 +950,7 @@
           <a:p>
             <a:fld id="{8DAE1A39-D2E5-4DB3-9738-ABE7899A2BA8}" type="datetimeFigureOut">
               <a:rPr lang="zh-TW" altLang="en-US" smtClean="0"/>
-              <a:t>2021/11/23</a:t>
+              <a:t>2021/11/24</a:t>
             </a:fld>
             <a:endParaRPr lang="zh-TW" altLang="en-US"/>
           </a:p>
@@ -1046,7 +1130,7 @@
           <a:p>
             <a:fld id="{8DAE1A39-D2E5-4DB3-9738-ABE7899A2BA8}" type="datetimeFigureOut">
               <a:rPr lang="zh-TW" altLang="en-US" smtClean="0"/>
-              <a:t>2021/11/23</a:t>
+              <a:t>2021/11/24</a:t>
             </a:fld>
             <a:endParaRPr lang="zh-TW" altLang="en-US"/>
           </a:p>
@@ -1216,7 +1300,7 @@
           <a:p>
             <a:fld id="{8DAE1A39-D2E5-4DB3-9738-ABE7899A2BA8}" type="datetimeFigureOut">
               <a:rPr lang="zh-TW" altLang="en-US" smtClean="0"/>
-              <a:t>2021/11/23</a:t>
+              <a:t>2021/11/24</a:t>
             </a:fld>
             <a:endParaRPr lang="zh-TW" altLang="en-US"/>
           </a:p>
@@ -1462,7 +1546,7 @@
           <a:p>
             <a:fld id="{8DAE1A39-D2E5-4DB3-9738-ABE7899A2BA8}" type="datetimeFigureOut">
               <a:rPr lang="zh-TW" altLang="en-US" smtClean="0"/>
-              <a:t>2021/11/23</a:t>
+              <a:t>2021/11/24</a:t>
             </a:fld>
             <a:endParaRPr lang="zh-TW" altLang="en-US"/>
           </a:p>
@@ -1694,7 +1778,7 @@
           <a:p>
             <a:fld id="{8DAE1A39-D2E5-4DB3-9738-ABE7899A2BA8}" type="datetimeFigureOut">
               <a:rPr lang="zh-TW" altLang="en-US" smtClean="0"/>
-              <a:t>2021/11/23</a:t>
+              <a:t>2021/11/24</a:t>
             </a:fld>
             <a:endParaRPr lang="zh-TW" altLang="en-US"/>
           </a:p>
@@ -2061,7 +2145,7 @@
           <a:p>
             <a:fld id="{8DAE1A39-D2E5-4DB3-9738-ABE7899A2BA8}" type="datetimeFigureOut">
               <a:rPr lang="zh-TW" altLang="en-US" smtClean="0"/>
-              <a:t>2021/11/23</a:t>
+              <a:t>2021/11/24</a:t>
             </a:fld>
             <a:endParaRPr lang="zh-TW" altLang="en-US"/>
           </a:p>
@@ -2179,7 +2263,7 @@
           <a:p>
             <a:fld id="{8DAE1A39-D2E5-4DB3-9738-ABE7899A2BA8}" type="datetimeFigureOut">
               <a:rPr lang="zh-TW" altLang="en-US" smtClean="0"/>
-              <a:t>2021/11/23</a:t>
+              <a:t>2021/11/24</a:t>
             </a:fld>
             <a:endParaRPr lang="zh-TW" altLang="en-US"/>
           </a:p>
@@ -2274,7 +2358,7 @@
           <a:p>
             <a:fld id="{8DAE1A39-D2E5-4DB3-9738-ABE7899A2BA8}" type="datetimeFigureOut">
               <a:rPr lang="zh-TW" altLang="en-US" smtClean="0"/>
-              <a:t>2021/11/23</a:t>
+              <a:t>2021/11/24</a:t>
             </a:fld>
             <a:endParaRPr lang="zh-TW" altLang="en-US"/>
           </a:p>
@@ -2551,7 +2635,7 @@
           <a:p>
             <a:fld id="{8DAE1A39-D2E5-4DB3-9738-ABE7899A2BA8}" type="datetimeFigureOut">
               <a:rPr lang="zh-TW" altLang="en-US" smtClean="0"/>
-              <a:t>2021/11/23</a:t>
+              <a:t>2021/11/24</a:t>
             </a:fld>
             <a:endParaRPr lang="zh-TW" altLang="en-US"/>
           </a:p>
@@ -2804,7 +2888,7 @@
           <a:p>
             <a:fld id="{8DAE1A39-D2E5-4DB3-9738-ABE7899A2BA8}" type="datetimeFigureOut">
               <a:rPr lang="zh-TW" altLang="en-US" smtClean="0"/>
-              <a:t>2021/11/23</a:t>
+              <a:t>2021/11/24</a:t>
             </a:fld>
             <a:endParaRPr lang="zh-TW" altLang="en-US"/>
           </a:p>
@@ -3017,7 +3101,7 @@
           <a:p>
             <a:fld id="{8DAE1A39-D2E5-4DB3-9738-ABE7899A2BA8}" type="datetimeFigureOut">
               <a:rPr lang="zh-TW" altLang="en-US" smtClean="0"/>
-              <a:t>2021/11/23</a:t>
+              <a:t>2021/11/24</a:t>
             </a:fld>
             <a:endParaRPr lang="zh-TW" altLang="en-US"/>
           </a:p>
@@ -4327,7 +4411,7 @@
         <p:spPr>
           <a:xfrm>
             <a:off x="517145" y="1388867"/>
-            <a:ext cx="1694503" cy="461665"/>
+            <a:ext cx="1534203" cy="461665"/>
           </a:xfrm>
           <a:prstGeom prst="rect">
             <a:avLst/>
@@ -4340,10 +4424,10 @@
           </a:bodyPr>
           <a:lstStyle/>
           <a:p>
-            <a:pPr marL="457200" indent="-457200">
-              <a:buFont typeface="Wingdings" panose="05000000000000000000" pitchFamily="2" charset="2"/>
-              <a:buChar char="ü"/>
-            </a:pPr>
+            <a:r>
+              <a:rPr lang="en-US" altLang="zh-TW" sz="2400" u="sng" dirty="0" smtClean="0"/>
+              <a:t>1. </a:t>
+            </a:r>
             <a:r>
               <a:rPr lang="en-US" altLang="zh-TW" sz="2400" u="sng" dirty="0" err="1" smtClean="0"/>
               <a:t>PairShift</a:t>
@@ -5214,7 +5298,7 @@
         <p:spPr>
           <a:xfrm>
             <a:off x="5106048" y="732530"/>
-            <a:ext cx="2477088" cy="1200329"/>
+            <a:ext cx="2432204" cy="1200329"/>
           </a:xfrm>
           <a:prstGeom prst="rect">
             <a:avLst/>
@@ -5227,10 +5311,10 @@
           </a:bodyPr>
           <a:lstStyle/>
           <a:p>
-            <a:pPr marL="342900" indent="-342900">
-              <a:buFont typeface="Wingdings" panose="05000000000000000000" pitchFamily="2" charset="2"/>
-              <a:buChar char="ü"/>
-            </a:pPr>
+            <a:r>
+              <a:rPr lang="en-US" altLang="zh-TW" sz="2400" u="sng" dirty="0" smtClean="0"/>
+              <a:t>2. </a:t>
+            </a:r>
             <a:r>
               <a:rPr lang="en-US" altLang="zh-TW" sz="2400" u="sng" dirty="0" err="1" smtClean="0"/>
               <a:t>TransitionShift</a:t>
@@ -5238,10 +5322,10 @@
             <a:endParaRPr lang="en-US" altLang="zh-TW" sz="2400" u="sng" dirty="0" smtClean="0"/>
           </a:p>
           <a:p>
-            <a:pPr marL="342900" indent="-342900">
-              <a:buFont typeface="Wingdings" panose="05000000000000000000" pitchFamily="2" charset="2"/>
-              <a:buChar char="ü"/>
-            </a:pPr>
+            <a:r>
+              <a:rPr lang="en-US" altLang="zh-TW" sz="2400" u="sng" dirty="0" smtClean="0"/>
+              <a:t>3. </a:t>
+            </a:r>
             <a:r>
               <a:rPr lang="en-US" altLang="zh-TW" sz="2400" u="sng" dirty="0" err="1" smtClean="0"/>
               <a:t>IsotopeShift</a:t>
@@ -5249,10 +5333,10 @@
             <a:endParaRPr lang="en-US" altLang="zh-TW" sz="2400" u="sng" dirty="0" smtClean="0"/>
           </a:p>
           <a:p>
-            <a:pPr marL="342900" indent="-342900">
-              <a:buFont typeface="Wingdings" panose="05000000000000000000" pitchFamily="2" charset="2"/>
-              <a:buChar char="ü"/>
-            </a:pPr>
+            <a:r>
+              <a:rPr lang="en-US" altLang="zh-TW" sz="2400" u="sng" dirty="0" smtClean="0"/>
+              <a:t>4. </a:t>
+            </a:r>
             <a:r>
               <a:rPr lang="en-US" altLang="zh-TW" sz="2400" u="sng" dirty="0" err="1" smtClean="0"/>
               <a:t>PeakGroupShift</a:t>
@@ -5673,7 +5757,7 @@
         <p:spPr>
           <a:xfrm>
             <a:off x="1078686" y="1451048"/>
-            <a:ext cx="3023713" cy="1200329"/>
+            <a:ext cx="2978829" cy="1200329"/>
           </a:xfrm>
           <a:prstGeom prst="rect">
             <a:avLst/>
@@ -5686,10 +5770,10 @@
           </a:bodyPr>
           <a:lstStyle/>
           <a:p>
-            <a:pPr marL="342900" indent="-342900">
-              <a:buFont typeface="Wingdings" panose="05000000000000000000" pitchFamily="2" charset="2"/>
-              <a:buChar char="ü"/>
-            </a:pPr>
+            <a:r>
+              <a:rPr lang="en-US" altLang="zh-TW" sz="2400" u="sng" dirty="0" smtClean="0"/>
+              <a:t>1. </a:t>
+            </a:r>
             <a:r>
               <a:rPr lang="en-US" altLang="zh-TW" sz="2400" u="sng" dirty="0" err="1" smtClean="0"/>
               <a:t>TransitionModality</a:t>
@@ -5697,10 +5781,10 @@
             <a:endParaRPr lang="en-US" altLang="zh-TW" sz="2400" u="sng" dirty="0" smtClean="0"/>
           </a:p>
           <a:p>
-            <a:pPr marL="342900" indent="-342900">
-              <a:buFont typeface="Wingdings" panose="05000000000000000000" pitchFamily="2" charset="2"/>
-              <a:buChar char="ü"/>
-            </a:pPr>
+            <a:r>
+              <a:rPr lang="en-US" altLang="zh-TW" sz="2400" u="sng" dirty="0" smtClean="0"/>
+              <a:t>2. </a:t>
+            </a:r>
             <a:r>
               <a:rPr lang="en-US" altLang="zh-TW" sz="2400" u="sng" dirty="0" err="1" smtClean="0"/>
               <a:t>IsotopeModality</a:t>
@@ -5708,10 +5792,10 @@
             <a:endParaRPr lang="en-US" altLang="zh-TW" sz="2400" u="sng" dirty="0" smtClean="0"/>
           </a:p>
           <a:p>
-            <a:pPr marL="342900" indent="-342900">
-              <a:buFont typeface="Wingdings" panose="05000000000000000000" pitchFamily="2" charset="2"/>
-              <a:buChar char="ü"/>
-            </a:pPr>
+            <a:r>
+              <a:rPr lang="en-US" altLang="zh-TW" sz="2400" u="sng" dirty="0" smtClean="0"/>
+              <a:t>3. </a:t>
+            </a:r>
             <a:r>
               <a:rPr lang="en-US" altLang="zh-TW" sz="2400" u="sng" dirty="0" err="1" smtClean="0"/>
               <a:t>PeakGroupModality</a:t>
@@ -6634,7 +6718,7 @@
         <p:spPr>
           <a:xfrm>
             <a:off x="1078686" y="1451048"/>
-            <a:ext cx="3071803" cy="1200329"/>
+            <a:ext cx="3026919" cy="1200329"/>
           </a:xfrm>
           <a:prstGeom prst="rect">
             <a:avLst/>
@@ -6647,10 +6731,10 @@
           </a:bodyPr>
           <a:lstStyle/>
           <a:p>
-            <a:pPr marL="342900" indent="-342900">
-              <a:buFont typeface="Wingdings" panose="05000000000000000000" pitchFamily="2" charset="2"/>
-              <a:buChar char="ü"/>
-            </a:pPr>
+            <a:r>
+              <a:rPr lang="en-US" altLang="zh-TW" sz="2400" u="sng" dirty="0" smtClean="0"/>
+              <a:t>1. </a:t>
+            </a:r>
             <a:r>
               <a:rPr lang="en-US" altLang="zh-TW" sz="2400" u="sng" dirty="0" err="1" smtClean="0"/>
               <a:t>PairSimilarity</a:t>
@@ -6658,10 +6742,10 @@
             <a:endParaRPr lang="en-US" altLang="zh-TW" sz="2400" u="sng" dirty="0" smtClean="0"/>
           </a:p>
           <a:p>
-            <a:pPr marL="342900" indent="-342900">
-              <a:buFont typeface="Wingdings" panose="05000000000000000000" pitchFamily="2" charset="2"/>
-              <a:buChar char="ü"/>
-            </a:pPr>
+            <a:r>
+              <a:rPr lang="en-US" altLang="zh-TW" sz="2400" u="sng" dirty="0" smtClean="0"/>
+              <a:t>2. </a:t>
+            </a:r>
             <a:r>
               <a:rPr lang="en-US" altLang="zh-TW" sz="2400" u="sng" dirty="0" err="1" smtClean="0"/>
               <a:t>IsotopeSimilarity</a:t>
@@ -6669,10 +6753,10 @@
             <a:endParaRPr lang="en-US" altLang="zh-TW" sz="2400" u="sng" dirty="0" smtClean="0"/>
           </a:p>
           <a:p>
-            <a:pPr marL="342900" indent="-342900">
-              <a:buFont typeface="Wingdings" panose="05000000000000000000" pitchFamily="2" charset="2"/>
-              <a:buChar char="ü"/>
-            </a:pPr>
+            <a:r>
+              <a:rPr lang="en-US" altLang="zh-TW" sz="2400" u="sng" dirty="0" smtClean="0"/>
+              <a:t>3. </a:t>
+            </a:r>
             <a:r>
               <a:rPr lang="en-US" altLang="zh-TW" sz="2400" u="sng" dirty="0" err="1" smtClean="0"/>
               <a:t>PeakGroupSimilarity</a:t>
@@ -7349,9 +7433,9 @@
           <p:nvPr/>
         </p:nvSpPr>
         <p:spPr>
-          <a:xfrm rot="3266660">
-            <a:off x="8408286" y="453446"/>
-            <a:ext cx="168054" cy="500062"/>
+          <a:xfrm rot="6476599">
+            <a:off x="8578924" y="928370"/>
+            <a:ext cx="210773" cy="670703"/>
           </a:xfrm>
           <a:prstGeom prst="downArrow">
             <a:avLst>
@@ -7393,7 +7477,7 @@
         </p:nvSpPr>
         <p:spPr>
           <a:xfrm>
-            <a:off x="8668500" y="281244"/>
+            <a:off x="8969733" y="1232524"/>
             <a:ext cx="1021626" cy="461665"/>
           </a:xfrm>
           <a:prstGeom prst="rect">
@@ -8037,7 +8121,7 @@
         <p:spPr>
           <a:xfrm>
             <a:off x="1078686" y="1451048"/>
-            <a:ext cx="3176832" cy="1200329"/>
+            <a:ext cx="3131948" cy="1200329"/>
           </a:xfrm>
           <a:prstGeom prst="rect">
             <a:avLst/>
@@ -8050,10 +8134,10 @@
           </a:bodyPr>
           <a:lstStyle/>
           <a:p>
-            <a:pPr marL="342900" indent="-342900">
-              <a:buFont typeface="Wingdings" panose="05000000000000000000" pitchFamily="2" charset="2"/>
-              <a:buChar char="ü"/>
-            </a:pPr>
+            <a:r>
+              <a:rPr lang="en-US" altLang="zh-TW" sz="2400" u="sng" dirty="0" smtClean="0"/>
+              <a:t>1. </a:t>
+            </a:r>
             <a:r>
               <a:rPr lang="en-US" altLang="zh-TW" sz="2400" u="sng" dirty="0" err="1" smtClean="0"/>
               <a:t>TransitionSymmetry</a:t>
@@ -8061,10 +8145,10 @@
             <a:endParaRPr lang="en-US" altLang="zh-TW" sz="2400" u="sng" dirty="0" smtClean="0"/>
           </a:p>
           <a:p>
-            <a:pPr marL="342900" indent="-342900">
-              <a:buFont typeface="Wingdings" panose="05000000000000000000" pitchFamily="2" charset="2"/>
-              <a:buChar char="ü"/>
-            </a:pPr>
+            <a:r>
+              <a:rPr lang="en-US" altLang="zh-TW" sz="2400" u="sng" dirty="0" smtClean="0"/>
+              <a:t>2. </a:t>
+            </a:r>
             <a:r>
               <a:rPr lang="en-US" altLang="zh-TW" sz="2400" u="sng" dirty="0" err="1" smtClean="0"/>
               <a:t>IsotopeSymmetry</a:t>
@@ -8072,10 +8156,10 @@
             <a:endParaRPr lang="en-US" altLang="zh-TW" sz="2400" u="sng" dirty="0" smtClean="0"/>
           </a:p>
           <a:p>
-            <a:pPr marL="342900" indent="-342900">
-              <a:buFont typeface="Wingdings" panose="05000000000000000000" pitchFamily="2" charset="2"/>
-              <a:buChar char="ü"/>
-            </a:pPr>
+            <a:r>
+              <a:rPr lang="en-US" altLang="zh-TW" sz="2400" u="sng" dirty="0" smtClean="0"/>
+              <a:t>3. </a:t>
+            </a:r>
             <a:r>
               <a:rPr lang="en-US" altLang="zh-TW" sz="2400" u="sng" dirty="0" err="1" smtClean="0"/>
               <a:t>PeakGroupSymmetry</a:t>
@@ -9573,8 +9657,8 @@
           </a:p>
         </p:txBody>
       </p:sp>
-      <mc:AlternateContent xmlns:mc="http://schemas.openxmlformats.org/markup-compatibility/2006" xmlns:a14="http://schemas.microsoft.com/office/drawing/2010/main">
-        <mc:Choice Requires="a14">
+      <mc:AlternateContent xmlns:mc="http://schemas.openxmlformats.org/markup-compatibility/2006">
+        <mc:Choice xmlns:a14="http://schemas.microsoft.com/office/drawing/2010/main" Requires="a14">
           <p:sp>
             <p:nvSpPr>
               <p:cNvPr id="57" name="文字方塊 56"/>
@@ -9583,7 +9667,7 @@
             </p:nvSpPr>
             <p:spPr>
               <a:xfrm>
-                <a:off x="491844" y="4764079"/>
+                <a:off x="232177" y="4648872"/>
                 <a:ext cx="5236177" cy="983987"/>
               </a:xfrm>
               <a:prstGeom prst="rect">
@@ -9724,7 +9808,7 @@
             </p:txBody>
           </p:sp>
         </mc:Choice>
-        <mc:Fallback xmlns="">
+        <mc:Fallback>
           <p:sp>
             <p:nvSpPr>
               <p:cNvPr id="57" name="文字方塊 56"/>
@@ -9735,7 +9819,7 @@
             </p:nvSpPr>
             <p:spPr>
               <a:xfrm>
-                <a:off x="491844" y="4764079"/>
+                <a:off x="232177" y="4648872"/>
                 <a:ext cx="5236177" cy="983987"/>
               </a:xfrm>
               <a:prstGeom prst="rect">
@@ -9763,8 +9847,8 @@
           </p:sp>
         </mc:Fallback>
       </mc:AlternateContent>
-      <mc:AlternateContent xmlns:mc="http://schemas.openxmlformats.org/markup-compatibility/2006" xmlns:a14="http://schemas.microsoft.com/office/drawing/2010/main">
-        <mc:Choice Requires="a14">
+      <mc:AlternateContent xmlns:mc="http://schemas.openxmlformats.org/markup-compatibility/2006">
+        <mc:Choice xmlns:a14="http://schemas.microsoft.com/office/drawing/2010/main" Requires="a14">
           <p:sp>
             <p:nvSpPr>
               <p:cNvPr id="58" name="文字方塊 57"/>
@@ -9773,7 +9857,7 @@
             </p:nvSpPr>
             <p:spPr>
               <a:xfrm>
-                <a:off x="763194" y="5690462"/>
+                <a:off x="5115874" y="5338020"/>
                 <a:ext cx="3450402" cy="954107"/>
               </a:xfrm>
               <a:prstGeom prst="rect">
@@ -9824,7 +9908,7 @@
             </p:txBody>
           </p:sp>
         </mc:Choice>
-        <mc:Fallback xmlns="">
+        <mc:Fallback>
           <p:sp>
             <p:nvSpPr>
               <p:cNvPr id="58" name="文字方塊 57"/>
@@ -9835,7 +9919,7 @@
             </p:nvSpPr>
             <p:spPr>
               <a:xfrm>
-                <a:off x="763194" y="5690462"/>
+                <a:off x="5115874" y="5338020"/>
                 <a:ext cx="3450402" cy="954107"/>
               </a:xfrm>
               <a:prstGeom prst="rect">
@@ -9844,7 +9928,7 @@
               <a:blipFill>
                 <a:blip r:embed="rId6"/>
                 <a:stretch>
-                  <a:fillRect l="-3534" t="-5732" b="-17197"/>
+                  <a:fillRect l="-3534" t="-6410" b="-17949"/>
                 </a:stretch>
               </a:blipFill>
             </p:spPr>
@@ -9871,8 +9955,8 @@
         </p:nvSpPr>
         <p:spPr>
           <a:xfrm>
-            <a:off x="3839570" y="110708"/>
-            <a:ext cx="3312573" cy="1200329"/>
+            <a:off x="3698089" y="767855"/>
+            <a:ext cx="3267689" cy="1200329"/>
           </a:xfrm>
           <a:prstGeom prst="rect">
             <a:avLst/>
@@ -9885,10 +9969,10 @@
           </a:bodyPr>
           <a:lstStyle/>
           <a:p>
-            <a:pPr marL="342900" indent="-342900">
-              <a:buFont typeface="Wingdings" panose="05000000000000000000" pitchFamily="2" charset="2"/>
-              <a:buChar char="ü"/>
-            </a:pPr>
+            <a:r>
+              <a:rPr lang="en-US" altLang="zh-TW" sz="2400" u="sng" dirty="0" smtClean="0"/>
+              <a:t>1. </a:t>
+            </a:r>
             <a:r>
               <a:rPr lang="en-US" altLang="zh-TW" sz="2400" u="sng" dirty="0" err="1" smtClean="0"/>
               <a:t>TransitionJaggedness</a:t>
@@ -9896,10 +9980,10 @@
             <a:endParaRPr lang="en-US" altLang="zh-TW" sz="2400" u="sng" dirty="0" smtClean="0"/>
           </a:p>
           <a:p>
-            <a:pPr marL="342900" indent="-342900">
-              <a:buFont typeface="Wingdings" panose="05000000000000000000" pitchFamily="2" charset="2"/>
-              <a:buChar char="ü"/>
-            </a:pPr>
+            <a:r>
+              <a:rPr lang="en-US" altLang="zh-TW" sz="2400" u="sng" dirty="0" smtClean="0"/>
+              <a:t>2. </a:t>
+            </a:r>
             <a:r>
               <a:rPr lang="en-US" altLang="zh-TW" sz="2400" u="sng" dirty="0" err="1" smtClean="0"/>
               <a:t>IsotopeJaggedness</a:t>
@@ -9907,10 +9991,10 @@
             <a:endParaRPr lang="en-US" altLang="zh-TW" sz="2400" u="sng" dirty="0" smtClean="0"/>
           </a:p>
           <a:p>
-            <a:pPr marL="342900" indent="-342900">
-              <a:buFont typeface="Wingdings" panose="05000000000000000000" pitchFamily="2" charset="2"/>
-              <a:buChar char="ü"/>
-            </a:pPr>
+            <a:r>
+              <a:rPr lang="en-US" altLang="zh-TW" sz="2400" u="sng" dirty="0" smtClean="0"/>
+              <a:t>3. </a:t>
+            </a:r>
             <a:r>
               <a:rPr lang="en-US" altLang="zh-TW" sz="2400" u="sng" dirty="0" err="1" smtClean="0"/>
               <a:t>PeakGroupJaggedness</a:t>
@@ -10015,6 +10099,36 @@
           <a:chExt cx="0" cy="0"/>
         </a:xfrm>
       </p:grpSpPr>
+      <p:pic>
+        <p:nvPicPr>
+          <p:cNvPr id="17" name="圖片 16"/>
+          <p:cNvPicPr>
+            <a:picLocks noChangeAspect="1"/>
+          </p:cNvPicPr>
+          <p:nvPr/>
+        </p:nvPicPr>
+        <p:blipFill>
+          <a:blip r:embed="rId2">
+            <a:extLst>
+              <a:ext uri="{28A0092B-C50C-407E-A947-70E740481C1C}">
+                <a14:useLocalDpi xmlns:a14="http://schemas.microsoft.com/office/drawing/2010/main" val="0"/>
+              </a:ext>
+            </a:extLst>
+          </a:blip>
+          <a:stretch>
+            <a:fillRect/>
+          </a:stretch>
+        </p:blipFill>
+        <p:spPr>
+          <a:xfrm>
+            <a:off x="6704313" y="1375424"/>
+            <a:ext cx="4372455" cy="4267179"/>
+          </a:xfrm>
+          <a:prstGeom prst="rect">
+            <a:avLst/>
+          </a:prstGeom>
+        </p:spPr>
+      </p:pic>
       <p:sp>
         <p:nvSpPr>
           <p:cNvPr id="4" name="標題 1"/>
@@ -10064,36 +10178,6 @@
           </a:p>
         </p:txBody>
       </p:sp>
-      <p:pic>
-        <p:nvPicPr>
-          <p:cNvPr id="5" name="圖片 4"/>
-          <p:cNvPicPr>
-            <a:picLocks noChangeAspect="1"/>
-          </p:cNvPicPr>
-          <p:nvPr/>
-        </p:nvPicPr>
-        <p:blipFill>
-          <a:blip r:embed="rId2">
-            <a:extLst>
-              <a:ext uri="{28A0092B-C50C-407E-A947-70E740481C1C}">
-                <a14:useLocalDpi xmlns:a14="http://schemas.microsoft.com/office/drawing/2010/main" val="0"/>
-              </a:ext>
-            </a:extLst>
-          </a:blip>
-          <a:stretch>
-            <a:fillRect/>
-          </a:stretch>
-        </p:blipFill>
-        <p:spPr>
-          <a:xfrm>
-            <a:off x="6724231" y="1335064"/>
-            <a:ext cx="4667670" cy="4555286"/>
-          </a:xfrm>
-          <a:prstGeom prst="rect">
-            <a:avLst/>
-          </a:prstGeom>
-        </p:spPr>
-      </p:pic>
       <p:cxnSp>
         <p:nvCxnSpPr>
           <p:cNvPr id="6" name="直線接點 5"/>
@@ -10102,8 +10186,8 @@
         </p:nvCxnSpPr>
         <p:spPr>
           <a:xfrm flipH="1">
-            <a:off x="7112001" y="1468978"/>
-            <a:ext cx="25399" cy="4220622"/>
+            <a:off x="7071476" y="1535066"/>
+            <a:ext cx="25400" cy="3944245"/>
           </a:xfrm>
           <a:prstGeom prst="line">
             <a:avLst/>
@@ -10127,39 +10211,6 @@
           </a:fontRef>
         </p:style>
       </p:cxnSp>
-      <p:cxnSp>
-        <p:nvCxnSpPr>
-          <p:cNvPr id="9" name="直線接點 8"/>
-          <p:cNvCxnSpPr/>
-          <p:nvPr/>
-        </p:nvCxnSpPr>
-        <p:spPr>
-          <a:xfrm flipH="1">
-            <a:off x="8953500" y="1468978"/>
-            <a:ext cx="4233" cy="4220622"/>
-          </a:xfrm>
-          <a:prstGeom prst="line">
-            <a:avLst/>
-          </a:prstGeom>
-          <a:ln w="19050">
-            <a:prstDash val="dashDot"/>
-          </a:ln>
-        </p:spPr>
-        <p:style>
-          <a:lnRef idx="1">
-            <a:schemeClr val="dk1"/>
-          </a:lnRef>
-          <a:fillRef idx="0">
-            <a:schemeClr val="dk1"/>
-          </a:fillRef>
-          <a:effectRef idx="0">
-            <a:schemeClr val="dk1"/>
-          </a:effectRef>
-          <a:fontRef idx="minor">
-            <a:schemeClr val="tx1"/>
-          </a:fontRef>
-        </p:style>
-      </p:cxnSp>
       <p:sp>
         <p:nvSpPr>
           <p:cNvPr id="13" name="等腰三角形 12"/>
@@ -10167,8 +10218,8 @@
           <p:nvPr/>
         </p:nvSpPr>
         <p:spPr>
-          <a:xfrm rot="8952656">
-            <a:off x="7501845" y="1677408"/>
+          <a:xfrm rot="13977423">
+            <a:off x="9523372" y="4641518"/>
             <a:ext cx="161957" cy="178403"/>
           </a:xfrm>
           <a:prstGeom prst="triangle">
@@ -10208,7 +10259,7 @@
         </p:nvSpPr>
         <p:spPr>
           <a:xfrm rot="8952656">
-            <a:off x="9487280" y="1454804"/>
+            <a:off x="8492272" y="1468750"/>
             <a:ext cx="161957" cy="178403"/>
           </a:xfrm>
           <a:prstGeom prst="triangle">
@@ -10248,7 +10299,7 @@
         </p:nvSpPr>
         <p:spPr>
           <a:xfrm>
-            <a:off x="5803901" y="1025815"/>
+            <a:off x="8336723" y="4078048"/>
             <a:ext cx="2740045" cy="400110"/>
           </a:xfrm>
           <a:prstGeom prst="rect">
@@ -10263,10 +10314,18 @@
           <a:lstStyle/>
           <a:p>
             <a:r>
-              <a:rPr lang="en-US" altLang="zh-TW" sz="2000" dirty="0" smtClean="0"/>
+              <a:rPr lang="en-US" altLang="zh-TW" sz="2000" dirty="0" smtClean="0">
+                <a:solidFill>
+                  <a:schemeClr val="accent6"/>
+                </a:solidFill>
+              </a:rPr>
               <a:t>max(boundary intensity)</a:t>
             </a:r>
-            <a:endParaRPr lang="zh-TW" altLang="en-US" sz="2000" dirty="0"/>
+            <a:endParaRPr lang="zh-TW" altLang="en-US" sz="2000" dirty="0">
+              <a:solidFill>
+                <a:schemeClr val="accent6"/>
+              </a:solidFill>
+            </a:endParaRPr>
           </a:p>
         </p:txBody>
       </p:sp>
@@ -10278,7 +10337,7 @@
         </p:nvSpPr>
         <p:spPr>
           <a:xfrm>
-            <a:off x="9237134" y="924815"/>
+            <a:off x="8361270" y="1043863"/>
             <a:ext cx="1679178" cy="400110"/>
           </a:xfrm>
           <a:prstGeom prst="rect">
@@ -10293,81 +10352,21 @@
           <a:lstStyle/>
           <a:p>
             <a:r>
-              <a:rPr lang="en-US" altLang="zh-TW" sz="2000" dirty="0" smtClean="0"/>
+              <a:rPr lang="en-US" altLang="zh-TW" sz="2000" dirty="0" smtClean="0">
+                <a:solidFill>
+                  <a:schemeClr val="accent2"/>
+                </a:solidFill>
+              </a:rPr>
               <a:t>max(intensity)</a:t>
             </a:r>
-            <a:endParaRPr lang="zh-TW" altLang="en-US" sz="2000" dirty="0"/>
-          </a:p>
-        </p:txBody>
-      </p:sp>
-      <p:cxnSp>
-        <p:nvCxnSpPr>
-          <p:cNvPr id="25" name="直線單箭頭接點 24"/>
-          <p:cNvCxnSpPr>
-            <a:endCxn id="13" idx="3"/>
-          </p:cNvCxnSpPr>
-          <p:nvPr/>
-        </p:nvCxnSpPr>
-        <p:spPr>
-          <a:xfrm>
-            <a:off x="7467597" y="1335064"/>
-            <a:ext cx="69566" cy="354917"/>
-          </a:xfrm>
-          <a:prstGeom prst="straightConnector1">
-            <a:avLst/>
-          </a:prstGeom>
-          <a:ln>
-            <a:tailEnd type="triangle"/>
-          </a:ln>
-        </p:spPr>
-        <p:style>
-          <a:lnRef idx="1">
-            <a:schemeClr val="accent1"/>
-          </a:lnRef>
-          <a:fillRef idx="0">
-            <a:schemeClr val="accent1"/>
-          </a:fillRef>
-          <a:effectRef idx="0">
-            <a:schemeClr val="accent1"/>
-          </a:effectRef>
-          <a:fontRef idx="minor">
-            <a:schemeClr val="tx1"/>
-          </a:fontRef>
-        </p:style>
-      </p:cxnSp>
-      <p:cxnSp>
-        <p:nvCxnSpPr>
-          <p:cNvPr id="26" name="直線單箭頭接點 25"/>
-          <p:cNvCxnSpPr/>
-          <p:nvPr/>
-        </p:nvCxnSpPr>
-        <p:spPr>
-          <a:xfrm flipH="1">
-            <a:off x="9625618" y="1238327"/>
-            <a:ext cx="307523" cy="274195"/>
-          </a:xfrm>
-          <a:prstGeom prst="straightConnector1">
-            <a:avLst/>
-          </a:prstGeom>
-          <a:ln>
-            <a:tailEnd type="triangle"/>
-          </a:ln>
-        </p:spPr>
-        <p:style>
-          <a:lnRef idx="1">
-            <a:schemeClr val="accent1"/>
-          </a:lnRef>
-          <a:fillRef idx="0">
-            <a:schemeClr val="accent1"/>
-          </a:fillRef>
-          <a:effectRef idx="0">
-            <a:schemeClr val="accent1"/>
-          </a:effectRef>
-          <a:fontRef idx="minor">
-            <a:schemeClr val="tx1"/>
-          </a:fontRef>
-        </p:style>
-      </p:cxnSp>
+            <a:endParaRPr lang="zh-TW" altLang="en-US" sz="2000" dirty="0">
+              <a:solidFill>
+                <a:schemeClr val="accent2"/>
+              </a:solidFill>
+            </a:endParaRPr>
+          </a:p>
+        </p:txBody>
+      </p:sp>
       <p:sp>
         <p:nvSpPr>
           <p:cNvPr id="29" name="文字方塊 28"/>
@@ -10377,7 +10376,7 @@
         <p:spPr>
           <a:xfrm>
             <a:off x="281054" y="1727841"/>
-            <a:ext cx="6024278" cy="2677656"/>
+            <a:ext cx="5979394" cy="2677656"/>
           </a:xfrm>
           <a:prstGeom prst="rect">
             <a:avLst/>
@@ -10390,10 +10389,10 @@
           </a:bodyPr>
           <a:lstStyle/>
           <a:p>
-            <a:pPr marL="342900" indent="-342900">
-              <a:buFont typeface="Wingdings" panose="05000000000000000000" pitchFamily="2" charset="2"/>
-              <a:buChar char="ü"/>
-            </a:pPr>
+            <a:r>
+              <a:rPr lang="en-US" altLang="zh-TW" sz="2400" u="sng" dirty="0" smtClean="0"/>
+              <a:t>1. </a:t>
+            </a:r>
             <a:r>
               <a:rPr lang="en-US" altLang="zh-TW" sz="2400" u="sng" dirty="0" err="1" smtClean="0"/>
               <a:t>TransitionMaxIntenstiy</a:t>
@@ -10415,10 +10414,10 @@
             <a:endParaRPr lang="en-US" altLang="zh-TW" sz="2400" u="sng" dirty="0"/>
           </a:p>
           <a:p>
-            <a:pPr marL="342900" indent="-342900">
-              <a:buFont typeface="Wingdings" panose="05000000000000000000" pitchFamily="2" charset="2"/>
-              <a:buChar char="ü"/>
-            </a:pPr>
+            <a:r>
+              <a:rPr lang="en-US" altLang="zh-TW" sz="2400" u="sng" dirty="0" smtClean="0"/>
+              <a:t>2. </a:t>
+            </a:r>
             <a:r>
               <a:rPr lang="en-US" altLang="zh-TW" sz="2400" u="sng" dirty="0" err="1" smtClean="0"/>
               <a:t>TransitionMaxBoundaryIntenstiy</a:t>
@@ -10440,10 +10439,10 @@
             <a:endParaRPr lang="en-US" altLang="zh-TW" sz="2400" u="sng" dirty="0"/>
           </a:p>
           <a:p>
-            <a:pPr marL="342900" indent="-342900">
-              <a:buFont typeface="Wingdings" panose="05000000000000000000" pitchFamily="2" charset="2"/>
-              <a:buChar char="ü"/>
-            </a:pPr>
+            <a:r>
+              <a:rPr lang="en-US" altLang="zh-TW" sz="2400" u="sng" dirty="0" smtClean="0"/>
+              <a:t>3. </a:t>
+            </a:r>
             <a:r>
               <a:rPr lang="en-US" altLang="zh-TW" sz="2400" u="sng" dirty="0" err="1" smtClean="0"/>
               <a:t>TransitionMaxBoundaryIntenstiyNormalized</a:t>
@@ -10852,6 +10851,39 @@
           </p:sp>
         </mc:Fallback>
       </mc:AlternateContent>
+      <p:cxnSp>
+        <p:nvCxnSpPr>
+          <p:cNvPr id="18" name="直線接點 17"/>
+          <p:cNvCxnSpPr/>
+          <p:nvPr/>
+        </p:nvCxnSpPr>
+        <p:spPr>
+          <a:xfrm flipH="1">
+            <a:off x="9501225" y="1512522"/>
+            <a:ext cx="25400" cy="3944245"/>
+          </a:xfrm>
+          <a:prstGeom prst="line">
+            <a:avLst/>
+          </a:prstGeom>
+          <a:ln w="19050">
+            <a:prstDash val="dashDot"/>
+          </a:ln>
+        </p:spPr>
+        <p:style>
+          <a:lnRef idx="1">
+            <a:schemeClr val="dk1"/>
+          </a:lnRef>
+          <a:fillRef idx="0">
+            <a:schemeClr val="dk1"/>
+          </a:fillRef>
+          <a:effectRef idx="0">
+            <a:schemeClr val="dk1"/>
+          </a:effectRef>
+          <a:fontRef idx="minor">
+            <a:schemeClr val="tx1"/>
+          </a:fontRef>
+        </p:style>
+      </p:cxnSp>
     </p:spTree>
     <p:extLst>
       <p:ext uri="{BB962C8B-B14F-4D97-AF65-F5344CB8AC3E}">
@@ -11249,7 +11281,7 @@
         <p:spPr>
           <a:xfrm>
             <a:off x="743593" y="1312988"/>
-            <a:ext cx="4543039" cy="5262979"/>
+            <a:ext cx="4498154" cy="5262979"/>
           </a:xfrm>
           <a:prstGeom prst="rect">
             <a:avLst/>
@@ -11262,10 +11294,10 @@
           </a:bodyPr>
           <a:lstStyle/>
           <a:p>
-            <a:pPr marL="342900" indent="-342900">
-              <a:buFont typeface="Wingdings" panose="05000000000000000000" pitchFamily="2" charset="2"/>
-              <a:buChar char="ü"/>
-            </a:pPr>
+            <a:r>
+              <a:rPr lang="en-US" altLang="zh-TW" sz="2400" u="sng" dirty="0" smtClean="0"/>
+              <a:t>1. </a:t>
+            </a:r>
             <a:r>
               <a:rPr lang="en-US" altLang="zh-TW" sz="2400" u="sng" dirty="0" err="1" smtClean="0"/>
               <a:t>TransitionFWHM</a:t>
@@ -11273,10 +11305,10 @@
             <a:endParaRPr lang="en-US" altLang="zh-TW" sz="2400" u="sng" dirty="0" smtClean="0"/>
           </a:p>
           <a:p>
-            <a:pPr marL="342900" indent="-342900">
-              <a:buFont typeface="Wingdings" panose="05000000000000000000" pitchFamily="2" charset="2"/>
-              <a:buChar char="ü"/>
-            </a:pPr>
+            <a:r>
+              <a:rPr lang="en-US" altLang="zh-TW" sz="2400" u="sng" dirty="0" smtClean="0"/>
+              <a:t>2. </a:t>
+            </a:r>
             <a:r>
               <a:rPr lang="en-US" altLang="zh-TW" sz="2400" u="sng" dirty="0" err="1" smtClean="0"/>
               <a:t>IsotopeFWHM</a:t>
@@ -11284,10 +11316,10 @@
             <a:endParaRPr lang="en-US" altLang="zh-TW" sz="2400" u="sng" dirty="0" smtClean="0"/>
           </a:p>
           <a:p>
-            <a:pPr marL="342900" indent="-342900">
-              <a:buFont typeface="Wingdings" panose="05000000000000000000" pitchFamily="2" charset="2"/>
-              <a:buChar char="ü"/>
-            </a:pPr>
+            <a:r>
+              <a:rPr lang="en-US" altLang="zh-TW" sz="2400" u="sng" dirty="0" smtClean="0"/>
+              <a:t>3. </a:t>
+            </a:r>
             <a:r>
               <a:rPr lang="en-US" altLang="zh-TW" sz="2400" u="sng" dirty="0" err="1" smtClean="0"/>
               <a:t>PeakGroupFWHM</a:t>
@@ -11305,35 +11337,25 @@
             <a:endParaRPr lang="en-US" altLang="zh-TW" sz="2400" u="sng" dirty="0" smtClean="0"/>
           </a:p>
           <a:p>
-            <a:pPr marL="342900" indent="-342900">
-              <a:buFont typeface="Wingdings" panose="05000000000000000000" pitchFamily="2" charset="2"/>
-              <a:buChar char="ü"/>
-            </a:pPr>
             <a:r>
               <a:rPr lang="en-US" altLang="zh-TW" sz="2400" u="sng" dirty="0" smtClean="0"/>
-              <a:t>TransitionFWHM2base</a:t>
-            </a:r>
-          </a:p>
-          <a:p>
-            <a:pPr marL="342900" indent="-342900">
-              <a:buFont typeface="Wingdings" panose="05000000000000000000" pitchFamily="2" charset="2"/>
-              <a:buChar char="ü"/>
-            </a:pPr>
+              <a:t>4. TransitionFWHM2base</a:t>
+            </a:r>
+            <a:endParaRPr lang="en-US" altLang="zh-TW" sz="2400" u="sng" dirty="0" smtClean="0"/>
+          </a:p>
+          <a:p>
             <a:r>
               <a:rPr lang="en-US" altLang="zh-TW" sz="2400" u="sng" dirty="0" smtClean="0"/>
-              <a:t>IsotopeFWHM2base</a:t>
+              <a:t>5. IsotopeFWHM2base</a:t>
             </a:r>
             <a:endParaRPr lang="en-US" altLang="zh-TW" sz="2400" u="sng" dirty="0"/>
           </a:p>
           <a:p>
-            <a:pPr marL="342900" indent="-342900">
-              <a:buFont typeface="Wingdings" panose="05000000000000000000" pitchFamily="2" charset="2"/>
-              <a:buChar char="ü"/>
-            </a:pPr>
             <a:r>
               <a:rPr lang="en-US" altLang="zh-TW" sz="2400" u="sng" dirty="0" smtClean="0"/>
-              <a:t>PeakGroupFWHM2base</a:t>
-            </a:r>
+              <a:t>6. PeakGroupFWHM2base</a:t>
+            </a:r>
+            <a:endParaRPr lang="en-US" altLang="zh-TW" sz="2400" u="sng" dirty="0" smtClean="0"/>
           </a:p>
           <a:p>
             <a:pPr marL="342900" indent="-342900">
@@ -11350,10 +11372,10 @@
             <a:endParaRPr lang="en-US" altLang="zh-TW" sz="2400" u="sng" dirty="0"/>
           </a:p>
           <a:p>
-            <a:pPr marL="342900" indent="-342900">
-              <a:buFont typeface="Wingdings" panose="05000000000000000000" pitchFamily="2" charset="2"/>
-              <a:buChar char="ü"/>
-            </a:pPr>
+            <a:r>
+              <a:rPr lang="en-US" altLang="zh-TW" sz="2400" u="sng" dirty="0" smtClean="0"/>
+              <a:t>7. </a:t>
+            </a:r>
             <a:r>
               <a:rPr lang="en-US" altLang="zh-TW" sz="2400" u="sng" dirty="0" err="1" smtClean="0"/>
               <a:t>PairFWHMConsistency</a:t>
@@ -11361,10 +11383,10 @@
             <a:endParaRPr lang="en-US" altLang="zh-TW" sz="2400" u="sng" dirty="0" smtClean="0"/>
           </a:p>
           <a:p>
-            <a:pPr marL="342900" indent="-342900">
-              <a:buFont typeface="Wingdings" panose="05000000000000000000" pitchFamily="2" charset="2"/>
-              <a:buChar char="ü"/>
-            </a:pPr>
+            <a:r>
+              <a:rPr lang="en-US" altLang="zh-TW" sz="2400" u="sng" dirty="0" smtClean="0"/>
+              <a:t>8. </a:t>
+            </a:r>
             <a:r>
               <a:rPr lang="en-US" altLang="zh-TW" sz="2400" u="sng" dirty="0" err="1" smtClean="0"/>
               <a:t>MeanIsotopeFWHMConsistency</a:t>
@@ -11612,8 +11634,8 @@
           </a:p>
         </p:txBody>
       </p:sp>
-      <mc:AlternateContent xmlns:mc="http://schemas.openxmlformats.org/markup-compatibility/2006" xmlns:a14="http://schemas.microsoft.com/office/drawing/2010/main">
-        <mc:Choice Requires="a14">
+      <mc:AlternateContent xmlns:mc="http://schemas.openxmlformats.org/markup-compatibility/2006">
+        <mc:Choice xmlns:a14="http://schemas.microsoft.com/office/drawing/2010/main" Requires="a14">
           <p:sp>
             <p:nvSpPr>
               <p:cNvPr id="25" name="文字方塊 24"/>
@@ -11622,7 +11644,7 @@
             </p:nvSpPr>
             <p:spPr>
               <a:xfrm>
-                <a:off x="5802134" y="5691991"/>
+                <a:off x="5802134" y="5479647"/>
                 <a:ext cx="5871351" cy="821250"/>
               </a:xfrm>
               <a:prstGeom prst="rect">
@@ -11770,7 +11792,7 @@
             </p:txBody>
           </p:sp>
         </mc:Choice>
-        <mc:Fallback xmlns="">
+        <mc:Fallback>
           <p:sp>
             <p:nvSpPr>
               <p:cNvPr id="25" name="文字方塊 24"/>
@@ -11781,7 +11803,7 @@
             </p:nvSpPr>
             <p:spPr>
               <a:xfrm>
-                <a:off x="5802134" y="5691991"/>
+                <a:off x="5802134" y="5479647"/>
                 <a:ext cx="5871351" cy="821250"/>
               </a:xfrm>
               <a:prstGeom prst="rect">
@@ -11904,7 +11926,7 @@
           <p:nvPr/>
         </p:nvPicPr>
         <p:blipFill>
-          <a:blip r:embed="rId2">
+          <a:blip r:embed="rId3">
             <a:extLst>
               <a:ext uri="{28A0092B-C50C-407E-A947-70E740481C1C}">
                 <a14:useLocalDpi xmlns:a14="http://schemas.microsoft.com/office/drawing/2010/main" val="0"/>
@@ -11917,7 +11939,7 @@
         </p:blipFill>
         <p:spPr>
           <a:xfrm>
-            <a:off x="6729001" y="537704"/>
+            <a:off x="6881918" y="1257863"/>
             <a:ext cx="4607907" cy="4601559"/>
           </a:xfrm>
           <a:prstGeom prst="rect">
@@ -11946,14 +11968,11 @@
           </a:bodyPr>
           <a:lstStyle/>
           <a:p>
-            <a:pPr marL="342900" indent="-342900">
-              <a:buFont typeface="Wingdings" panose="05000000000000000000" pitchFamily="2" charset="2"/>
-              <a:buChar char="ü"/>
-            </a:pPr>
             <a:r>
               <a:rPr lang="en-US" altLang="zh-TW" sz="2400" u="sng" dirty="0" smtClean="0"/>
-              <a:t>Area2SumRatioCV</a:t>
-            </a:r>
+              <a:t>1. Area2SumRatioCV</a:t>
+            </a:r>
+            <a:endParaRPr lang="en-US" altLang="zh-TW" sz="2400" u="sng" dirty="0" smtClean="0"/>
           </a:p>
           <a:p>
             <a:endParaRPr lang="en-US" altLang="zh-TW" sz="2400" u="sng" dirty="0"/>
@@ -11969,10 +11988,10 @@
             <a:endParaRPr lang="en-US" altLang="zh-TW" sz="2400" u="sng" dirty="0" smtClean="0"/>
           </a:p>
           <a:p>
-            <a:pPr marL="342900" indent="-342900">
-              <a:buFont typeface="Wingdings" panose="05000000000000000000" pitchFamily="2" charset="2"/>
-              <a:buChar char="ü"/>
-            </a:pPr>
+            <a:r>
+              <a:rPr lang="en-US" altLang="zh-TW" sz="2400" u="sng" dirty="0" smtClean="0"/>
+              <a:t>2. </a:t>
+            </a:r>
             <a:r>
               <a:rPr lang="en-US" altLang="zh-TW" sz="2400" u="sng" dirty="0" err="1" smtClean="0"/>
               <a:t>PeakGroupRatioCorr</a:t>
@@ -11990,10 +12009,10 @@
             <a:endParaRPr lang="en-US" altLang="zh-TW" sz="2400" u="sng" dirty="0"/>
           </a:p>
           <a:p>
-            <a:pPr marL="342900" indent="-342900">
-              <a:buFont typeface="Wingdings" panose="05000000000000000000" pitchFamily="2" charset="2"/>
-              <a:buChar char="ü"/>
-            </a:pPr>
+            <a:r>
+              <a:rPr lang="en-US" altLang="zh-TW" sz="2400" u="sng" dirty="0" smtClean="0"/>
+              <a:t>3. </a:t>
+            </a:r>
             <a:r>
               <a:rPr lang="en-US" altLang="zh-TW" sz="2400" u="sng" dirty="0" err="1" smtClean="0"/>
               <a:t>PairRatioConsistency</a:t>
@@ -12014,10 +12033,10 @@
             <a:endParaRPr lang="en-US" altLang="zh-TW" sz="2400" u="sng" dirty="0" smtClean="0"/>
           </a:p>
           <a:p>
-            <a:pPr marL="342900" indent="-342900">
-              <a:buFont typeface="Wingdings" panose="05000000000000000000" pitchFamily="2" charset="2"/>
-              <a:buChar char="ü"/>
-            </a:pPr>
+            <a:r>
+              <a:rPr lang="en-US" altLang="zh-TW" sz="2400" u="sng" dirty="0" smtClean="0"/>
+              <a:t>4. </a:t>
+            </a:r>
             <a:r>
               <a:rPr lang="en-US" altLang="zh-TW" sz="2400" u="sng" dirty="0" err="1" smtClean="0"/>
               <a:t>MeanIsotopeRatioConsistency</a:t>
@@ -12308,7 +12327,7 @@
                 <a:avLst/>
               </a:prstGeom>
               <a:blipFill>
-                <a:blip r:embed="rId3"/>
+                <a:blip r:embed="rId4"/>
                 <a:stretch>
                   <a:fillRect/>
                 </a:stretch>
@@ -12514,7 +12533,7 @@
                 <a:avLst/>
               </a:prstGeom>
               <a:blipFill>
-                <a:blip r:embed="rId4"/>
+                <a:blip r:embed="rId5"/>
                 <a:stretch>
                   <a:fillRect b="-10938"/>
                 </a:stretch>
@@ -12830,7 +12849,7 @@
                 <a:avLst/>
               </a:prstGeom>
               <a:blipFill>
-                <a:blip r:embed="rId5"/>
+                <a:blip r:embed="rId6"/>
                 <a:stretch>
                   <a:fillRect/>
                 </a:stretch>
@@ -13092,7 +13111,7 @@
                 <a:avLst/>
               </a:prstGeom>
               <a:blipFill>
-                <a:blip r:embed="rId6"/>
+                <a:blip r:embed="rId7"/>
                 <a:stretch>
                   <a:fillRect/>
                 </a:stretch>
